--- a/docs/Compiler Design.pptx
+++ b/docs/Compiler Design.pptx
@@ -259,7 +259,7 @@
               <a:pPr>
                 <a:defRPr/>
               </a:pPr>
-              <a:t>8/25/2009</a:t>
+              <a:t>10/21/2012</a:t>
             </a:fld>
             <a:endParaRPr lang="en-US"/>
           </a:p>
@@ -437,6 +437,11 @@
         </p:txBody>
       </p:sp>
     </p:spTree>
+    <p:extLst>
+      <p:ext uri="{BB962C8B-B14F-4D97-AF65-F5344CB8AC3E}">
+        <p14:creationId xmlns:p14="http://schemas.microsoft.com/office/powerpoint/2010/main" val="3752351428"/>
+      </p:ext>
+    </p:extLst>
   </p:cSld>
   <p:clrMap bg1="lt1" tx1="dk1" bg2="lt2" tx2="dk2" accent1="accent1" accent2="accent2" accent3="accent3" accent4="accent4" accent5="accent5" accent6="accent6" hlink="hlink" folHlink="folHlink"/>
   <p:notesStyle>
@@ -1040,7 +1045,7 @@
               <a:pPr>
                 <a:defRPr/>
               </a:pPr>
-              <a:t>8/25/2009</a:t>
+              <a:t>10/21/2012</a:t>
             </a:fld>
             <a:endParaRPr lang="en-US" dirty="0"/>
           </a:p>
@@ -1210,7 +1215,7 @@
               <a:pPr>
                 <a:defRPr/>
               </a:pPr>
-              <a:t>8/25/2009</a:t>
+              <a:t>10/21/2012</a:t>
             </a:fld>
             <a:endParaRPr lang="en-US" dirty="0"/>
           </a:p>
@@ -1390,7 +1395,7 @@
               <a:pPr>
                 <a:defRPr/>
               </a:pPr>
-              <a:t>8/25/2009</a:t>
+              <a:t>10/21/2012</a:t>
             </a:fld>
             <a:endParaRPr lang="en-US" dirty="0"/>
           </a:p>
@@ -1627,7 +1632,7 @@
               <a:pPr>
                 <a:defRPr/>
               </a:pPr>
-              <a:t>8/25/2009</a:t>
+              <a:t>10/21/2012</a:t>
             </a:fld>
             <a:endParaRPr lang="en-US" dirty="0"/>
           </a:p>
@@ -1864,7 +1869,7 @@
               <a:pPr>
                 <a:defRPr/>
               </a:pPr>
-              <a:t>8/25/2009</a:t>
+              <a:t>10/21/2012</a:t>
             </a:fld>
             <a:endParaRPr lang="en-US" dirty="0"/>
           </a:p>
@@ -2053,7 +2058,7 @@
               <a:pPr>
                 <a:defRPr/>
               </a:pPr>
-              <a:t>8/25/2009</a:t>
+              <a:t>10/21/2012</a:t>
             </a:fld>
             <a:endParaRPr lang="en-US" dirty="0"/>
           </a:p>
@@ -2378,7 +2383,7 @@
               <a:pPr>
                 <a:defRPr/>
               </a:pPr>
-              <a:t>8/25/2009</a:t>
+              <a:t>10/21/2012</a:t>
             </a:fld>
             <a:endParaRPr lang="en-US" dirty="0"/>
           </a:p>
@@ -2658,7 +2663,7 @@
               <a:pPr>
                 <a:defRPr/>
               </a:pPr>
-              <a:t>8/25/2009</a:t>
+              <a:t>10/21/2012</a:t>
             </a:fld>
             <a:endParaRPr lang="en-US" dirty="0"/>
           </a:p>
@@ -3138,7 +3143,7 @@
               <a:pPr>
                 <a:defRPr/>
               </a:pPr>
-              <a:t>8/25/2009</a:t>
+              <a:t>10/21/2012</a:t>
             </a:fld>
             <a:endParaRPr lang="en-US" dirty="0"/>
           </a:p>
@@ -3639,7 +3644,7 @@
               <a:pPr>
                 <a:defRPr/>
               </a:pPr>
-              <a:t>8/25/2009</a:t>
+              <a:t>10/21/2012</a:t>
             </a:fld>
             <a:endParaRPr lang="en-US" dirty="0"/>
           </a:p>
@@ -3777,7 +3782,7 @@
               <a:pPr>
                 <a:defRPr/>
               </a:pPr>
-              <a:t>8/25/2009</a:t>
+              <a:t>10/21/2012</a:t>
             </a:fld>
             <a:endParaRPr lang="en-US" dirty="0"/>
           </a:p>
@@ -3964,7 +3969,7 @@
               <a:pPr>
                 <a:defRPr/>
               </a:pPr>
-              <a:t>8/25/2009</a:t>
+              <a:t>10/21/2012</a:t>
             </a:fld>
             <a:endParaRPr lang="en-US" dirty="0"/>
           </a:p>
@@ -4103,7 +4108,7 @@
               <a:pPr>
                 <a:defRPr/>
               </a:pPr>
-              <a:t>8/25/2009</a:t>
+              <a:t>10/21/2012</a:t>
             </a:fld>
             <a:endParaRPr lang="en-US" dirty="0"/>
           </a:p>
@@ -4437,7 +4442,7 @@
               <a:pPr>
                 <a:defRPr/>
               </a:pPr>
-              <a:t>8/25/2009</a:t>
+              <a:t>10/21/2012</a:t>
             </a:fld>
             <a:endParaRPr lang="en-US" dirty="0"/>
           </a:p>
@@ -4583,7 +4588,7 @@
               <a:pPr>
                 <a:defRPr/>
               </a:pPr>
-              <a:t>8/25/2009</a:t>
+              <a:t>10/21/2012</a:t>
             </a:fld>
             <a:endParaRPr lang="en-US" dirty="0"/>
           </a:p>
@@ -5072,7 +5077,7 @@
               <a:pPr>
                 <a:defRPr/>
               </a:pPr>
-              <a:t>8/25/2009</a:t>
+              <a:t>10/21/2012</a:t>
             </a:fld>
             <a:endParaRPr lang="en-US" dirty="0"/>
           </a:p>
@@ -5269,7 +5274,7 @@
               <a:pPr>
                 <a:defRPr/>
               </a:pPr>
-              <a:t>8/25/2009</a:t>
+              <a:t>10/21/2012</a:t>
             </a:fld>
             <a:endParaRPr lang="en-US" dirty="0"/>
           </a:p>
@@ -5478,7 +5483,7 @@
               <a:pPr>
                 <a:defRPr/>
               </a:pPr>
-              <a:t>8/25/2009</a:t>
+              <a:t>10/21/2012</a:t>
             </a:fld>
             <a:endParaRPr lang="en-US" dirty="0"/>
           </a:p>
@@ -5766,7 +5771,7 @@
               <a:pPr>
                 <a:defRPr/>
               </a:pPr>
-              <a:t>8/25/2009</a:t>
+              <a:t>10/21/2012</a:t>
             </a:fld>
             <a:endParaRPr lang="en-US" dirty="0"/>
           </a:p>
@@ -6193,7 +6198,7 @@
               <a:pPr>
                 <a:defRPr/>
               </a:pPr>
-              <a:t>8/25/2009</a:t>
+              <a:t>10/21/2012</a:t>
             </a:fld>
             <a:endParaRPr lang="en-US" dirty="0"/>
           </a:p>
@@ -6311,7 +6316,7 @@
               <a:pPr>
                 <a:defRPr/>
               </a:pPr>
-              <a:t>8/25/2009</a:t>
+              <a:t>10/21/2012</a:t>
             </a:fld>
             <a:endParaRPr lang="en-US" dirty="0"/>
           </a:p>
@@ -6406,7 +6411,7 @@
               <a:pPr>
                 <a:defRPr/>
               </a:pPr>
-              <a:t>8/25/2009</a:t>
+              <a:t>10/21/2012</a:t>
             </a:fld>
             <a:endParaRPr lang="en-US" dirty="0"/>
           </a:p>
@@ -6683,7 +6688,7 @@
               <a:pPr>
                 <a:defRPr/>
               </a:pPr>
-              <a:t>8/25/2009</a:t>
+              <a:t>10/21/2012</a:t>
             </a:fld>
             <a:endParaRPr lang="en-US" dirty="0"/>
           </a:p>
@@ -6940,7 +6945,7 @@
               <a:pPr>
                 <a:defRPr/>
               </a:pPr>
-              <a:t>8/25/2009</a:t>
+              <a:t>10/21/2012</a:t>
             </a:fld>
             <a:endParaRPr lang="en-US" dirty="0"/>
           </a:p>
@@ -7214,7 +7219,7 @@
               <a:pPr>
                 <a:defRPr/>
               </a:pPr>
-              <a:t>8/25/2009</a:t>
+              <a:t>10/21/2012</a:t>
             </a:fld>
             <a:endParaRPr lang="en-US" dirty="0"/>
           </a:p>
@@ -8109,7 +8114,7 @@
               <a:pPr>
                 <a:defRPr/>
               </a:pPr>
-              <a:t>8/25/2009</a:t>
+              <a:t>10/21/2012</a:t>
             </a:fld>
             <a:endParaRPr lang="en-US" dirty="0"/>
           </a:p>
@@ -8810,7 +8815,7 @@
               <a:buNone/>
             </a:pPr>
             <a:r>
-              <a:rPr lang="en-US" smtClean="0">
+              <a:rPr lang="en-US" dirty="0" smtClean="0">
                 <a:ea typeface="ＭＳ Ｐゴシック"/>
                 <a:cs typeface="ＭＳ Ｐゴシック"/>
               </a:rPr>
@@ -8820,7 +8825,7 @@
           <a:p>
             <a:pPr eaLnBrk="1" hangingPunct="1"/>
             <a:r>
-              <a:rPr lang="en-US" sz="1800" smtClean="0">
+              <a:rPr lang="en-US" sz="1800" dirty="0" smtClean="0">
                 <a:ea typeface="ＭＳ Ｐゴシック"/>
                 <a:cs typeface="ＭＳ Ｐゴシック"/>
               </a:rPr>
@@ -8830,16 +8835,28 @@
           <a:p>
             <a:pPr lvl="1" eaLnBrk="1" hangingPunct="1"/>
             <a:r>
-              <a:rPr lang="en-US" sz="1800" smtClean="0">
-                <a:ea typeface="ＭＳ Ｐゴシック"/>
-              </a:rPr>
-              <a:t>Web: JavaScript, VBScript, PHP, ActionScript, etc.</a:t>
+              <a:rPr lang="en-US" sz="1800" dirty="0" smtClean="0">
+                <a:ea typeface="ＭＳ Ｐゴシック"/>
+              </a:rPr>
+              <a:t>Web: JavaScript, VBScript, PHP, </a:t>
+            </a:r>
+            <a:r>
+              <a:rPr lang="en-US" sz="1800" dirty="0" err="1" smtClean="0">
+                <a:ea typeface="ＭＳ Ｐゴシック"/>
+              </a:rPr>
+              <a:t>ActionScript</a:t>
+            </a:r>
+            <a:r>
+              <a:rPr lang="en-US" sz="1800" dirty="0" smtClean="0">
+                <a:ea typeface="ＭＳ Ｐゴシック"/>
+              </a:rPr>
+              <a:t>, etc.</a:t>
             </a:r>
           </a:p>
           <a:p>
             <a:pPr lvl="1" eaLnBrk="1" hangingPunct="1"/>
             <a:r>
-              <a:rPr lang="en-US" sz="1800" smtClean="0">
+              <a:rPr lang="en-US" sz="1800" dirty="0" smtClean="0">
                 <a:ea typeface="ＭＳ Ｐゴシック"/>
               </a:rPr>
               <a:t>Text processing: SED, Snowball, etc.</a:t>
@@ -8848,7 +8865,7 @@
           <a:p>
             <a:pPr eaLnBrk="1" hangingPunct="1"/>
             <a:r>
-              <a:rPr lang="en-US" sz="1800" smtClean="0">
+              <a:rPr lang="en-US" sz="1800" dirty="0" smtClean="0">
                 <a:ea typeface="ＭＳ Ｐゴシック"/>
                 <a:cs typeface="ＭＳ Ｐゴシック"/>
               </a:rPr>
@@ -8858,16 +8875,19 @@
           <a:p>
             <a:pPr lvl="1" eaLnBrk="1" hangingPunct="1"/>
             <a:r>
-              <a:rPr lang="en-US" sz="1800" smtClean="0">
-                <a:ea typeface="ＭＳ Ｐゴシック"/>
-              </a:rPr>
-              <a:t>Pearl</a:t>
-            </a:r>
+              <a:rPr lang="en-US" sz="1800" dirty="0" smtClean="0">
+                <a:ea typeface="ＭＳ Ｐゴシック"/>
+              </a:rPr>
+              <a:t>Perl</a:t>
+            </a:r>
+            <a:endParaRPr lang="en-US" sz="1800" dirty="0" smtClean="0">
+              <a:ea typeface="ＭＳ Ｐゴシック"/>
+            </a:endParaRPr>
           </a:p>
           <a:p>
             <a:pPr lvl="1" eaLnBrk="1" hangingPunct="1"/>
             <a:r>
-              <a:rPr lang="en-US" sz="1800" smtClean="0">
+              <a:rPr lang="en-US" sz="1800" dirty="0" smtClean="0">
                 <a:ea typeface="ＭＳ Ｐゴシック"/>
               </a:rPr>
               <a:t>Python</a:t>
@@ -8876,7 +8896,7 @@
           <a:p>
             <a:pPr lvl="1" eaLnBrk="1" hangingPunct="1"/>
             <a:r>
-              <a:rPr lang="en-US" sz="1800" smtClean="0">
+              <a:rPr lang="en-US" sz="1800" dirty="0" smtClean="0">
                 <a:ea typeface="ＭＳ Ｐゴシック"/>
               </a:rPr>
               <a:t>Ruby</a:t>
@@ -8885,7 +8905,7 @@
           <a:p>
             <a:pPr eaLnBrk="1" hangingPunct="1"/>
             <a:r>
-              <a:rPr lang="en-US" sz="1800" smtClean="0">
+              <a:rPr lang="en-US" sz="1800" dirty="0" smtClean="0">
                 <a:ea typeface="ＭＳ Ｐゴシック"/>
                 <a:cs typeface="ＭＳ Ｐゴシック"/>
               </a:rPr>
@@ -8895,7 +8915,7 @@
           <a:p>
             <a:pPr lvl="1" eaLnBrk="1" hangingPunct="1"/>
             <a:r>
-              <a:rPr lang="en-US" sz="1800" smtClean="0">
+              <a:rPr lang="en-US" sz="1800" dirty="0" smtClean="0">
                 <a:ea typeface="ＭＳ Ｐゴシック"/>
               </a:rPr>
               <a:t>Highly flexible</a:t>
@@ -8904,7 +8924,7 @@
           <a:p>
             <a:pPr lvl="1" eaLnBrk="1" hangingPunct="1"/>
             <a:r>
-              <a:rPr lang="en-US" sz="1800" smtClean="0">
+              <a:rPr lang="en-US" sz="1800" dirty="0" smtClean="0">
                 <a:ea typeface="ＭＳ Ｐゴシック"/>
               </a:rPr>
               <a:t>Platform independent</a:t>
@@ -8913,7 +8933,7 @@
           <a:p>
             <a:pPr lvl="1" eaLnBrk="1" hangingPunct="1"/>
             <a:r>
-              <a:rPr lang="en-US" sz="1800" smtClean="0">
+              <a:rPr lang="en-US" sz="1800" dirty="0" smtClean="0">
                 <a:ea typeface="ＭＳ Ｐゴシック"/>
               </a:rPr>
               <a:t>Weakly typed</a:t>
@@ -8922,7 +8942,7 @@
           <a:p>
             <a:pPr lvl="1" eaLnBrk="1" hangingPunct="1"/>
             <a:r>
-              <a:rPr lang="en-US" sz="1800" smtClean="0">
+              <a:rPr lang="en-US" sz="1800" dirty="0" smtClean="0">
                 <a:ea typeface="ＭＳ Ｐゴシック"/>
               </a:rPr>
               <a:t>Slower execution speed</a:t>
@@ -10252,7 +10272,7 @@
         <p:nvGraphicFramePr>
           <p:cNvPr id="75778" name="Object 2"/>
           <p:cNvGraphicFramePr>
-            <a:graphicFrameLocks noChangeAspect="1"/>
+            <a:graphicFrameLocks noGrp="1" noChangeAspect="1"/>
           </p:cNvGraphicFramePr>
           <p:nvPr>
             <p:ph sz="half" idx="2"/>
@@ -10264,9 +10284,59 @@
         </p:xfrm>
         <a:graphic>
           <a:graphicData uri="http://schemas.openxmlformats.org/presentationml/2006/ole">
-            <p:oleObj spid="_x0000_s75778" name="Visio" r:id="rId3" imgW="2226097" imgH="5912307" progId="Visio.Drawing.11">
-              <p:embed/>
-            </p:oleObj>
+            <mc:AlternateContent xmlns:mc="http://schemas.openxmlformats.org/markup-compatibility/2006">
+              <mc:Choice xmlns:v="urn:schemas-microsoft-com:vml" Requires="v">
+                <p:oleObj spid="_x0000_s75779" name="Visio" r:id="rId3" imgW="2226097" imgH="5912307" progId="Visio.Drawing.11">
+                  <p:embed/>
+                </p:oleObj>
+              </mc:Choice>
+              <mc:Fallback>
+                <p:oleObj name="Visio" r:id="rId3" imgW="2226097" imgH="5912307" progId="Visio.Drawing.11">
+                  <p:embed/>
+                  <p:pic>
+                    <p:nvPicPr>
+                      <p:cNvPr id="0" name="Picture 2"/>
+                      <p:cNvPicPr>
+                        <a:picLocks noChangeAspect="1" noChangeArrowheads="1"/>
+                      </p:cNvPicPr>
+                      <p:nvPr/>
+                    </p:nvPicPr>
+                    <p:blipFill>
+                      <a:blip r:embed="rId4">
+                        <a:extLst>
+                          <a:ext uri="{28A0092B-C50C-407E-A947-70E740481C1C}">
+                            <a14:useLocalDpi xmlns:a14="http://schemas.microsoft.com/office/drawing/2010/main" val="0"/>
+                          </a:ext>
+                        </a:extLst>
+                      </a:blip>
+                      <a:srcRect/>
+                      <a:stretch>
+                        <a:fillRect/>
+                      </a:stretch>
+                    </p:blipFill>
+                    <p:spPr bwMode="auto">
+                      <a:xfrm>
+                        <a:off x="6227763" y="1524000"/>
+                        <a:ext cx="1755775" cy="4664075"/>
+                      </a:xfrm>
+                      <a:prstGeom prst="rect">
+                        <a:avLst/>
+                      </a:prstGeom>
+                      <a:noFill/>
+                      <a:extLst>
+                        <a:ext uri="{909E8E84-426E-40DD-AFC4-6F175D3DCCD1}">
+                          <a14:hiddenFill xmlns:a14="http://schemas.microsoft.com/office/drawing/2010/main">
+                            <a:solidFill>
+                              <a:srgbClr val="FFFFFF"/>
+                            </a:solidFill>
+                          </a14:hiddenFill>
+                        </a:ext>
+                      </a:extLst>
+                    </p:spPr>
+                  </p:pic>
+                </p:oleObj>
+              </mc:Fallback>
+            </mc:AlternateContent>
           </a:graphicData>
         </a:graphic>
       </p:graphicFrame>
@@ -11426,13 +11496,7 @@
               <a:rPr lang="en-US" sz="1800" dirty="0" smtClean="0">
                 <a:ea typeface="ＭＳ Ｐゴシック"/>
               </a:rPr>
-              <a:t>40% of processing time for stack based interpreters is stack management (push/pop</a:t>
-            </a:r>
-            <a:r>
-              <a:rPr lang="en-US" sz="1800" dirty="0" smtClean="0">
-                <a:ea typeface="ＭＳ Ｐゴシック"/>
-              </a:rPr>
-              <a:t>)</a:t>
+              <a:t>40% of processing time for stack based interpreters is stack management (push/pop)</a:t>
             </a:r>
             <a:endParaRPr lang="en-US" sz="2000" dirty="0" smtClean="0">
               <a:ea typeface="ＭＳ Ｐゴシック"/>
@@ -11444,7 +11508,7 @@
         <p:nvGraphicFramePr>
           <p:cNvPr id="131074" name="Object 2"/>
           <p:cNvGraphicFramePr>
-            <a:graphicFrameLocks noChangeAspect="1"/>
+            <a:graphicFrameLocks noGrp="1" noChangeAspect="1"/>
           </p:cNvGraphicFramePr>
           <p:nvPr>
             <p:ph sz="half" idx="2"/>
@@ -11456,9 +11520,59 @@
         </p:xfrm>
         <a:graphic>
           <a:graphicData uri="http://schemas.openxmlformats.org/presentationml/2006/ole">
-            <p:oleObj spid="_x0000_s131074" name="Visio" r:id="rId3" imgW="3594527" imgH="3746358" progId="Visio.Drawing.11">
-              <p:embed/>
-            </p:oleObj>
+            <mc:AlternateContent xmlns:mc="http://schemas.openxmlformats.org/markup-compatibility/2006">
+              <mc:Choice xmlns:v="urn:schemas-microsoft-com:vml" Requires="v">
+                <p:oleObj spid="_x0000_s131075" name="Visio" r:id="rId3" imgW="3594527" imgH="3746358" progId="Visio.Drawing.11">
+                  <p:embed/>
+                </p:oleObj>
+              </mc:Choice>
+              <mc:Fallback>
+                <p:oleObj name="Visio" r:id="rId3" imgW="3594527" imgH="3746358" progId="Visio.Drawing.11">
+                  <p:embed/>
+                  <p:pic>
+                    <p:nvPicPr>
+                      <p:cNvPr id="0" name="Picture 2"/>
+                      <p:cNvPicPr>
+                        <a:picLocks noChangeAspect="1" noChangeArrowheads="1"/>
+                      </p:cNvPicPr>
+                      <p:nvPr/>
+                    </p:nvPicPr>
+                    <p:blipFill>
+                      <a:blip r:embed="rId4">
+                        <a:extLst>
+                          <a:ext uri="{28A0092B-C50C-407E-A947-70E740481C1C}">
+                            <a14:useLocalDpi xmlns:a14="http://schemas.microsoft.com/office/drawing/2010/main" val="0"/>
+                          </a:ext>
+                        </a:extLst>
+                      </a:blip>
+                      <a:srcRect/>
+                      <a:stretch>
+                        <a:fillRect/>
+                      </a:stretch>
+                    </p:blipFill>
+                    <p:spPr bwMode="auto">
+                      <a:xfrm>
+                        <a:off x="5308600" y="1982788"/>
+                        <a:ext cx="3594100" cy="3746500"/>
+                      </a:xfrm>
+                      <a:prstGeom prst="rect">
+                        <a:avLst/>
+                      </a:prstGeom>
+                      <a:noFill/>
+                      <a:extLst>
+                        <a:ext uri="{909E8E84-426E-40DD-AFC4-6F175D3DCCD1}">
+                          <a14:hiddenFill xmlns:a14="http://schemas.microsoft.com/office/drawing/2010/main">
+                            <a:solidFill>
+                              <a:srgbClr val="FFFFFF"/>
+                            </a:solidFill>
+                          </a14:hiddenFill>
+                        </a:ext>
+                      </a:extLst>
+                    </p:spPr>
+                  </p:pic>
+                </p:oleObj>
+              </mc:Fallback>
+            </mc:AlternateContent>
           </a:graphicData>
         </a:graphic>
       </p:graphicFrame>
@@ -11645,7 +11759,7 @@
         <p:nvGraphicFramePr>
           <p:cNvPr id="76802" name="Object 2"/>
           <p:cNvGraphicFramePr>
-            <a:graphicFrameLocks noChangeAspect="1"/>
+            <a:graphicFrameLocks noGrp="1" noChangeAspect="1"/>
           </p:cNvGraphicFramePr>
           <p:nvPr>
             <p:ph sz="half" idx="2"/>
@@ -11657,9 +11771,59 @@
         </p:xfrm>
         <a:graphic>
           <a:graphicData uri="http://schemas.openxmlformats.org/presentationml/2006/ole">
-            <p:oleObj spid="_x0000_s76802" name="Visio" r:id="rId3" imgW="4146580" imgH="7454026" progId="Visio.Drawing.11">
-              <p:embed/>
-            </p:oleObj>
+            <mc:AlternateContent xmlns:mc="http://schemas.openxmlformats.org/markup-compatibility/2006">
+              <mc:Choice xmlns:v="urn:schemas-microsoft-com:vml" Requires="v">
+                <p:oleObj spid="_x0000_s76803" name="Visio" r:id="rId3" imgW="4146580" imgH="7454026" progId="Visio.Drawing.11">
+                  <p:embed/>
+                </p:oleObj>
+              </mc:Choice>
+              <mc:Fallback>
+                <p:oleObj name="Visio" r:id="rId3" imgW="4146580" imgH="7454026" progId="Visio.Drawing.11">
+                  <p:embed/>
+                  <p:pic>
+                    <p:nvPicPr>
+                      <p:cNvPr id="0" name="Picture 2"/>
+                      <p:cNvPicPr>
+                        <a:picLocks noChangeAspect="1" noChangeArrowheads="1"/>
+                      </p:cNvPicPr>
+                      <p:nvPr/>
+                    </p:nvPicPr>
+                    <p:blipFill>
+                      <a:blip r:embed="rId4">
+                        <a:extLst>
+                          <a:ext uri="{28A0092B-C50C-407E-A947-70E740481C1C}">
+                            <a14:useLocalDpi xmlns:a14="http://schemas.microsoft.com/office/drawing/2010/main" val="0"/>
+                          </a:ext>
+                        </a:extLst>
+                      </a:blip>
+                      <a:srcRect/>
+                      <a:stretch>
+                        <a:fillRect/>
+                      </a:stretch>
+                    </p:blipFill>
+                    <p:spPr bwMode="auto">
+                      <a:xfrm>
+                        <a:off x="5808663" y="1524000"/>
+                        <a:ext cx="2593975" cy="4662488"/>
+                      </a:xfrm>
+                      <a:prstGeom prst="rect">
+                        <a:avLst/>
+                      </a:prstGeom>
+                      <a:noFill/>
+                      <a:extLst>
+                        <a:ext uri="{909E8E84-426E-40DD-AFC4-6F175D3DCCD1}">
+                          <a14:hiddenFill xmlns:a14="http://schemas.microsoft.com/office/drawing/2010/main">
+                            <a:solidFill>
+                              <a:srgbClr val="FFFFFF"/>
+                            </a:solidFill>
+                          </a14:hiddenFill>
+                        </a:ext>
+                      </a:extLst>
+                    </p:spPr>
+                  </p:pic>
+                </p:oleObj>
+              </mc:Fallback>
+            </mc:AlternateContent>
           </a:graphicData>
         </a:graphic>
       </p:graphicFrame>
